--- a/forecast_evaluation_wk12.pptx
+++ b/forecast_evaluation_wk12.pptx
@@ -6,12 +6,12 @@
   </p:sldMasterIdLst>
   <p:sldIdLst>
     <p:sldId id="256" r:id="rId2"/>
-    <p:sldId id="257" r:id="rId3"/>
-    <p:sldId id="262" r:id="rId4"/>
-    <p:sldId id="258" r:id="rId5"/>
-    <p:sldId id="259" r:id="rId6"/>
-    <p:sldId id="263" r:id="rId7"/>
-    <p:sldId id="261" r:id="rId8"/>
+    <p:sldId id="262" r:id="rId3"/>
+    <p:sldId id="257" r:id="rId4"/>
+    <p:sldId id="259" r:id="rId5"/>
+    <p:sldId id="263" r:id="rId6"/>
+    <p:sldId id="261" r:id="rId7"/>
+    <p:sldId id="264" r:id="rId8"/>
   </p:sldIdLst>
   <p:sldSz cx="12192000" cy="6858000"/>
   <p:notesSz cx="6858000" cy="9144000"/>
@@ -3421,6 +3421,160 @@
       </p:grpSpPr>
       <p:pic>
         <p:nvPicPr>
+          <p:cNvPr id="3" name="Picture 2" descr="A picture containing scatter chart&#10;&#10;Description automatically generated">
+            <a:extLst>
+              <a:ext uri="{FF2B5EF4-FFF2-40B4-BE49-F238E27FC236}">
+                <a16:creationId xmlns:a16="http://schemas.microsoft.com/office/drawing/2014/main" id="{33670315-178C-4C0B-989C-6DD51D85871A}"/>
+              </a:ext>
+            </a:extLst>
+          </p:cNvPr>
+          <p:cNvPicPr>
+            <a:picLocks noChangeAspect="1"/>
+          </p:cNvPicPr>
+          <p:nvPr/>
+        </p:nvPicPr>
+        <p:blipFill>
+          <a:blip r:embed="rId2">
+            <a:extLst>
+              <a:ext uri="{28A0092B-C50C-407E-A947-70E740481C1C}">
+                <a14:useLocalDpi xmlns:a14="http://schemas.microsoft.com/office/drawing/2010/main" val="0"/>
+              </a:ext>
+            </a:extLst>
+          </a:blip>
+          <a:stretch>
+            <a:fillRect/>
+          </a:stretch>
+        </p:blipFill>
+        <p:spPr>
+          <a:xfrm>
+            <a:off x="634036" y="507898"/>
+            <a:ext cx="6327721" cy="4218481"/>
+          </a:xfrm>
+          <a:prstGeom prst="rect">
+            <a:avLst/>
+          </a:prstGeom>
+        </p:spPr>
+      </p:pic>
+      <p:sp>
+        <p:nvSpPr>
+          <p:cNvPr id="4" name="TextBox 3">
+            <a:extLst>
+              <a:ext uri="{FF2B5EF4-FFF2-40B4-BE49-F238E27FC236}">
+                <a16:creationId xmlns:a16="http://schemas.microsoft.com/office/drawing/2014/main" id="{03DECE62-B64F-4CC7-A25D-F3088E3EF60C}"/>
+              </a:ext>
+            </a:extLst>
+          </p:cNvPr>
+          <p:cNvSpPr txBox="1"/>
+          <p:nvPr/>
+        </p:nvSpPr>
+        <p:spPr>
+          <a:xfrm>
+            <a:off x="1116281" y="4726379"/>
+            <a:ext cx="6210794" cy="954107"/>
+          </a:xfrm>
+          <a:prstGeom prst="rect">
+            <a:avLst/>
+          </a:prstGeom>
+          <a:noFill/>
+        </p:spPr>
+        <p:txBody>
+          <a:bodyPr wrap="square" rtlCol="0">
+            <a:spAutoFit/>
+          </a:bodyPr>
+          <a:lstStyle/>
+          <a:p>
+            <a:r>
+              <a:rPr lang="en-US" altLang="zh-CN" sz="2800" dirty="0"/>
+              <a:t>Boxplot about forecast distribution: all the forecast are near observation</a:t>
+            </a:r>
+            <a:endParaRPr lang="en-US" sz="2800" dirty="0"/>
+          </a:p>
+        </p:txBody>
+      </p:sp>
+      <p:sp>
+        <p:nvSpPr>
+          <p:cNvPr id="2" name="Rectangle 1">
+            <a:extLst>
+              <a:ext uri="{FF2B5EF4-FFF2-40B4-BE49-F238E27FC236}">
+                <a16:creationId xmlns:a16="http://schemas.microsoft.com/office/drawing/2014/main" id="{AFFB250F-C4F5-4EFB-BB1A-5718C301DC48}"/>
+              </a:ext>
+            </a:extLst>
+          </p:cNvPr>
+          <p:cNvSpPr/>
+          <p:nvPr/>
+        </p:nvSpPr>
+        <p:spPr>
+          <a:xfrm>
+            <a:off x="5549774" y="3429000"/>
+            <a:ext cx="325925" cy="527364"/>
+          </a:xfrm>
+          <a:prstGeom prst="rect">
+            <a:avLst/>
+          </a:prstGeom>
+          <a:noFill/>
+          <a:ln>
+            <a:solidFill>
+              <a:srgbClr val="FF0000"/>
+            </a:solidFill>
+          </a:ln>
+        </p:spPr>
+        <p:style>
+          <a:lnRef idx="2">
+            <a:schemeClr val="accent1">
+              <a:shade val="50000"/>
+            </a:schemeClr>
+          </a:lnRef>
+          <a:fillRef idx="1">
+            <a:schemeClr val="accent1"/>
+          </a:fillRef>
+          <a:effectRef idx="0">
+            <a:schemeClr val="accent1"/>
+          </a:effectRef>
+          <a:fontRef idx="minor">
+            <a:schemeClr val="lt1"/>
+          </a:fontRef>
+        </p:style>
+        <p:txBody>
+          <a:bodyPr rtlCol="0" anchor="ctr"/>
+          <a:lstStyle/>
+          <a:p>
+            <a:pPr algn="ctr"/>
+            <a:endParaRPr lang="en-US"/>
+          </a:p>
+        </p:txBody>
+      </p:sp>
+    </p:spTree>
+    <p:extLst>
+      <p:ext uri="{BB962C8B-B14F-4D97-AF65-F5344CB8AC3E}">
+        <p14:creationId xmlns:p14="http://schemas.microsoft.com/office/powerpoint/2010/main" val="2894416964"/>
+      </p:ext>
+    </p:extLst>
+  </p:cSld>
+  <p:clrMapOvr>
+    <a:masterClrMapping/>
+  </p:clrMapOvr>
+</p:sld>
+</file>
+
+<file path=ppt/slides/slide3.xml><?xml version="1.0" encoding="utf-8"?>
+<p:sld xmlns:a="http://schemas.openxmlformats.org/drawingml/2006/main" xmlns:r="http://schemas.openxmlformats.org/officeDocument/2006/relationships" xmlns:p="http://schemas.openxmlformats.org/presentationml/2006/main">
+  <p:cSld>
+    <p:spTree>
+      <p:nvGrpSpPr>
+        <p:cNvPr id="1" name=""/>
+        <p:cNvGrpSpPr/>
+        <p:nvPr/>
+      </p:nvGrpSpPr>
+      <p:grpSpPr>
+        <a:xfrm>
+          <a:off x="0" y="0"/>
+          <a:ext cx="0" cy="0"/>
+          <a:chOff x="0" y="0"/>
+          <a:chExt cx="0" cy="0"/>
+        </a:xfrm>
+      </p:grpSpPr>
+      <p:pic>
+        <p:nvPicPr>
           <p:cNvPr id="3" name="Picture 2" descr="Chart, scatter chart&#10;&#10;Description automatically generated">
             <a:extLst>
               <a:ext uri="{FF2B5EF4-FFF2-40B4-BE49-F238E27FC236}">
@@ -3871,7 +4025,7 @@
         </p:blipFill>
         <p:spPr>
           <a:xfrm>
-            <a:off x="5757547" y="3992106"/>
+            <a:off x="5347851" y="3787070"/>
             <a:ext cx="4911620" cy="1278448"/>
           </a:xfrm>
           <a:prstGeom prst="rect">
@@ -3893,8 +4047,8 @@
         </p:nvSpPr>
         <p:spPr>
           <a:xfrm>
-            <a:off x="5850578" y="5316190"/>
-            <a:ext cx="6341422" cy="523220"/>
+            <a:off x="5477439" y="4957127"/>
+            <a:ext cx="6341422" cy="2246769"/>
           </a:xfrm>
           <a:prstGeom prst="rect">
             <a:avLst/>
@@ -3912,114 +4066,27 @@
               <a:t>Group 2 win it!</a:t>
             </a:r>
           </a:p>
+          <a:p>
+            <a:r>
+              <a:rPr lang="en-US" sz="2800" dirty="0"/>
+              <a:t>Base on group competition rule, only group2 win 2 points in 1week prediction.  </a:t>
+            </a:r>
+          </a:p>
+          <a:p>
+            <a:r>
+              <a:rPr lang="en-US" sz="2800" dirty="0"/>
+              <a:t>Other groups are 0 points.</a:t>
+            </a:r>
+          </a:p>
+          <a:p>
+            <a:endParaRPr lang="en-US" sz="2800" dirty="0"/>
+          </a:p>
         </p:txBody>
       </p:sp>
     </p:spTree>
     <p:extLst>
       <p:ext uri="{BB962C8B-B14F-4D97-AF65-F5344CB8AC3E}">
         <p14:creationId xmlns:p14="http://schemas.microsoft.com/office/powerpoint/2010/main" val="553793161"/>
-      </p:ext>
-    </p:extLst>
-  </p:cSld>
-  <p:clrMapOvr>
-    <a:masterClrMapping/>
-  </p:clrMapOvr>
-</p:sld>
-</file>
-
-<file path=ppt/slides/slide3.xml><?xml version="1.0" encoding="utf-8"?>
-<p:sld xmlns:a="http://schemas.openxmlformats.org/drawingml/2006/main" xmlns:r="http://schemas.openxmlformats.org/officeDocument/2006/relationships" xmlns:p="http://schemas.openxmlformats.org/presentationml/2006/main">
-  <p:cSld>
-    <p:spTree>
-      <p:nvGrpSpPr>
-        <p:cNvPr id="1" name=""/>
-        <p:cNvGrpSpPr/>
-        <p:nvPr/>
-      </p:nvGrpSpPr>
-      <p:grpSpPr>
-        <a:xfrm>
-          <a:off x="0" y="0"/>
-          <a:ext cx="0" cy="0"/>
-          <a:chOff x="0" y="0"/>
-          <a:chExt cx="0" cy="0"/>
-        </a:xfrm>
-      </p:grpSpPr>
-      <p:pic>
-        <p:nvPicPr>
-          <p:cNvPr id="3" name="Picture 2" descr="A picture containing scatter chart&#10;&#10;Description automatically generated">
-            <a:extLst>
-              <a:ext uri="{FF2B5EF4-FFF2-40B4-BE49-F238E27FC236}">
-                <a16:creationId xmlns:a16="http://schemas.microsoft.com/office/drawing/2014/main" id="{33670315-178C-4C0B-989C-6DD51D85871A}"/>
-              </a:ext>
-            </a:extLst>
-          </p:cNvPr>
-          <p:cNvPicPr>
-            <a:picLocks noChangeAspect="1"/>
-          </p:cNvPicPr>
-          <p:nvPr/>
-        </p:nvPicPr>
-        <p:blipFill>
-          <a:blip r:embed="rId2">
-            <a:extLst>
-              <a:ext uri="{28A0092B-C50C-407E-A947-70E740481C1C}">
-                <a14:useLocalDpi xmlns:a14="http://schemas.microsoft.com/office/drawing/2010/main" val="0"/>
-              </a:ext>
-            </a:extLst>
-          </a:blip>
-          <a:stretch>
-            <a:fillRect/>
-          </a:stretch>
-        </p:blipFill>
-        <p:spPr>
-          <a:xfrm>
-            <a:off x="634036" y="507898"/>
-            <a:ext cx="6327721" cy="4218481"/>
-          </a:xfrm>
-          <a:prstGeom prst="rect">
-            <a:avLst/>
-          </a:prstGeom>
-        </p:spPr>
-      </p:pic>
-      <p:sp>
-        <p:nvSpPr>
-          <p:cNvPr id="4" name="TextBox 3">
-            <a:extLst>
-              <a:ext uri="{FF2B5EF4-FFF2-40B4-BE49-F238E27FC236}">
-                <a16:creationId xmlns:a16="http://schemas.microsoft.com/office/drawing/2014/main" id="{03DECE62-B64F-4CC7-A25D-F3088E3EF60C}"/>
-              </a:ext>
-            </a:extLst>
-          </p:cNvPr>
-          <p:cNvSpPr txBox="1"/>
-          <p:nvPr/>
-        </p:nvSpPr>
-        <p:spPr>
-          <a:xfrm>
-            <a:off x="1116281" y="4726379"/>
-            <a:ext cx="6210794" cy="954107"/>
-          </a:xfrm>
-          <a:prstGeom prst="rect">
-            <a:avLst/>
-          </a:prstGeom>
-          <a:noFill/>
-        </p:spPr>
-        <p:txBody>
-          <a:bodyPr wrap="square" rtlCol="0">
-            <a:spAutoFit/>
-          </a:bodyPr>
-          <a:lstStyle/>
-          <a:p>
-            <a:r>
-              <a:rPr lang="en-US" altLang="zh-CN" sz="2800" dirty="0"/>
-              <a:t>A figure about forecast distribution. All the forecast are near observation</a:t>
-            </a:r>
-            <a:endParaRPr lang="en-US" sz="2800" dirty="0"/>
-          </a:p>
-        </p:txBody>
-      </p:sp>
-    </p:spTree>
-    <p:extLst>
-      <p:ext uri="{BB962C8B-B14F-4D97-AF65-F5344CB8AC3E}">
-        <p14:creationId xmlns:p14="http://schemas.microsoft.com/office/powerpoint/2010/main" val="2894416964"/>
       </p:ext>
     </p:extLst>
   </p:cSld>
@@ -4048,107 +4115,6 @@
       </p:grpSpPr>
       <p:pic>
         <p:nvPicPr>
-          <p:cNvPr id="3" name="Picture 2">
-            <a:extLst>
-              <a:ext uri="{FF2B5EF4-FFF2-40B4-BE49-F238E27FC236}">
-                <a16:creationId xmlns:a16="http://schemas.microsoft.com/office/drawing/2014/main" id="{EC86AA9D-F9CB-4894-976D-E23AA3F62A72}"/>
-              </a:ext>
-            </a:extLst>
-          </p:cNvPr>
-          <p:cNvPicPr>
-            <a:picLocks noChangeAspect="1"/>
-          </p:cNvPicPr>
-          <p:nvPr/>
-        </p:nvPicPr>
-        <p:blipFill>
-          <a:blip r:embed="rId2"/>
-          <a:stretch>
-            <a:fillRect/>
-          </a:stretch>
-        </p:blipFill>
-        <p:spPr>
-          <a:xfrm>
-            <a:off x="603601" y="755964"/>
-            <a:ext cx="4619625" cy="3876675"/>
-          </a:xfrm>
-          <a:prstGeom prst="rect">
-            <a:avLst/>
-          </a:prstGeom>
-        </p:spPr>
-      </p:pic>
-      <p:sp>
-        <p:nvSpPr>
-          <p:cNvPr id="4" name="TextBox 3">
-            <a:extLst>
-              <a:ext uri="{FF2B5EF4-FFF2-40B4-BE49-F238E27FC236}">
-                <a16:creationId xmlns:a16="http://schemas.microsoft.com/office/drawing/2014/main" id="{56CD8D75-3B0A-427D-8D90-947005BE5D40}"/>
-              </a:ext>
-            </a:extLst>
-          </p:cNvPr>
-          <p:cNvSpPr txBox="1"/>
-          <p:nvPr/>
-        </p:nvSpPr>
-        <p:spPr>
-          <a:xfrm>
-            <a:off x="6495803" y="1140031"/>
-            <a:ext cx="5092596" cy="1815882"/>
-          </a:xfrm>
-          <a:prstGeom prst="rect">
-            <a:avLst/>
-          </a:prstGeom>
-          <a:noFill/>
-        </p:spPr>
-        <p:txBody>
-          <a:bodyPr wrap="square" rtlCol="0">
-            <a:spAutoFit/>
-          </a:bodyPr>
-          <a:lstStyle/>
-          <a:p>
-            <a:r>
-              <a:rPr lang="en-US" sz="2800" dirty="0"/>
-              <a:t>Base on group competition rule, only group2 win 2 points in 1week prediction.  </a:t>
-            </a:r>
-          </a:p>
-          <a:p>
-            <a:r>
-              <a:rPr lang="en-US" sz="2800" dirty="0"/>
-              <a:t>Other groups are 0 points.</a:t>
-            </a:r>
-          </a:p>
-        </p:txBody>
-      </p:sp>
-    </p:spTree>
-    <p:extLst>
-      <p:ext uri="{BB962C8B-B14F-4D97-AF65-F5344CB8AC3E}">
-        <p14:creationId xmlns:p14="http://schemas.microsoft.com/office/powerpoint/2010/main" val="3475037196"/>
-      </p:ext>
-    </p:extLst>
-  </p:cSld>
-  <p:clrMapOvr>
-    <a:masterClrMapping/>
-  </p:clrMapOvr>
-</p:sld>
-</file>
-
-<file path=ppt/slides/slide5.xml><?xml version="1.0" encoding="utf-8"?>
-<p:sld xmlns:a="http://schemas.openxmlformats.org/drawingml/2006/main" xmlns:r="http://schemas.openxmlformats.org/officeDocument/2006/relationships" xmlns:p="http://schemas.openxmlformats.org/presentationml/2006/main">
-  <p:cSld>
-    <p:spTree>
-      <p:nvGrpSpPr>
-        <p:cNvPr id="1" name=""/>
-        <p:cNvGrpSpPr/>
-        <p:nvPr/>
-      </p:nvGrpSpPr>
-      <p:grpSpPr>
-        <a:xfrm>
-          <a:off x="0" y="0"/>
-          <a:ext cx="0" cy="0"/>
-          <a:chOff x="0" y="0"/>
-          <a:chExt cx="0" cy="0"/>
-        </a:xfrm>
-      </p:grpSpPr>
-      <p:pic>
-        <p:nvPicPr>
           <p:cNvPr id="29" name="Picture 28">
             <a:extLst>
               <a:ext uri="{FF2B5EF4-FFF2-40B4-BE49-F238E27FC236}">
@@ -4213,7 +4179,7 @@
           <a:p>
             <a:r>
               <a:rPr lang="en-US" sz="2800" dirty="0"/>
-              <a:t>People who got least bonus points before can get bonus points this week.</a:t>
+              <a:t>People who got the lowest bonus points before can get bonus points this week.</a:t>
             </a:r>
           </a:p>
           <a:p>
@@ -4772,33 +4738,15 @@
                                   </p:childTnLst>
                                 </p:cTn>
                               </p:par>
-                            </p:childTnLst>
-                          </p:cTn>
-                        </p:par>
-                      </p:childTnLst>
-                    </p:cTn>
-                  </p:par>
-                  <p:par>
-                    <p:cTn id="17" fill="hold">
-                      <p:stCondLst>
-                        <p:cond delay="indefinite"/>
-                      </p:stCondLst>
-                      <p:childTnLst>
-                        <p:par>
-                          <p:cTn id="18" fill="hold">
-                            <p:stCondLst>
-                              <p:cond delay="0"/>
-                            </p:stCondLst>
-                            <p:childTnLst>
                               <p:par>
-                                <p:cTn id="19" presetID="2" presetClass="entr" presetSubtype="4" fill="hold" grpId="0" nodeType="clickEffect">
+                                <p:cTn id="17" presetID="2" presetClass="entr" presetSubtype="4" fill="hold" grpId="0" nodeType="withEffect">
                                   <p:stCondLst>
                                     <p:cond delay="0"/>
                                   </p:stCondLst>
                                   <p:childTnLst>
                                     <p:set>
                                       <p:cBhvr>
-                                        <p:cTn id="20" dur="1" fill="hold">
+                                        <p:cTn id="18" dur="1" fill="hold">
                                           <p:stCondLst>
                                             <p:cond delay="0"/>
                                           </p:stCondLst>
@@ -4816,7 +4764,7 @@
                                     </p:set>
                                     <p:anim calcmode="lin" valueType="num">
                                       <p:cBhvr additive="base">
-                                        <p:cTn id="21" dur="500" fill="hold"/>
+                                        <p:cTn id="19" dur="500" fill="hold"/>
                                         <p:tgtEl>
                                           <p:spTgt spid="30"/>
                                         </p:tgtEl>
@@ -4839,9 +4787,82 @@
                                     </p:anim>
                                     <p:anim calcmode="lin" valueType="num">
                                       <p:cBhvr additive="base">
-                                        <p:cTn id="22" dur="500" fill="hold"/>
+                                        <p:cTn id="20" dur="500" fill="hold"/>
                                         <p:tgtEl>
                                           <p:spTgt spid="30"/>
+                                        </p:tgtEl>
+                                        <p:attrNameLst>
+                                          <p:attrName>ppt_y</p:attrName>
+                                        </p:attrNameLst>
+                                      </p:cBhvr>
+                                      <p:tavLst>
+                                        <p:tav tm="0">
+                                          <p:val>
+                                            <p:strVal val="1+#ppt_h/2"/>
+                                          </p:val>
+                                        </p:tav>
+                                        <p:tav tm="100000">
+                                          <p:val>
+                                            <p:strVal val="#ppt_y"/>
+                                          </p:val>
+                                        </p:tav>
+                                      </p:tavLst>
+                                    </p:anim>
+                                  </p:childTnLst>
+                                </p:cTn>
+                              </p:par>
+                              <p:par>
+                                <p:cTn id="21" presetID="2" presetClass="entr" presetSubtype="4" fill="hold" grpId="0" nodeType="withEffect">
+                                  <p:stCondLst>
+                                    <p:cond delay="0"/>
+                                  </p:stCondLst>
+                                  <p:childTnLst>
+                                    <p:set>
+                                      <p:cBhvr>
+                                        <p:cTn id="22" dur="1" fill="hold">
+                                          <p:stCondLst>
+                                            <p:cond delay="0"/>
+                                          </p:stCondLst>
+                                        </p:cTn>
+                                        <p:tgtEl>
+                                          <p:spTgt spid="31"/>
+                                        </p:tgtEl>
+                                        <p:attrNameLst>
+                                          <p:attrName>style.visibility</p:attrName>
+                                        </p:attrNameLst>
+                                      </p:cBhvr>
+                                      <p:to>
+                                        <p:strVal val="visible"/>
+                                      </p:to>
+                                    </p:set>
+                                    <p:anim calcmode="lin" valueType="num">
+                                      <p:cBhvr additive="base">
+                                        <p:cTn id="23" dur="500" fill="hold"/>
+                                        <p:tgtEl>
+                                          <p:spTgt spid="31"/>
+                                        </p:tgtEl>
+                                        <p:attrNameLst>
+                                          <p:attrName>ppt_x</p:attrName>
+                                        </p:attrNameLst>
+                                      </p:cBhvr>
+                                      <p:tavLst>
+                                        <p:tav tm="0">
+                                          <p:val>
+                                            <p:strVal val="#ppt_x"/>
+                                          </p:val>
+                                        </p:tav>
+                                        <p:tav tm="100000">
+                                          <p:val>
+                                            <p:strVal val="#ppt_x"/>
+                                          </p:val>
+                                        </p:tav>
+                                      </p:tavLst>
+                                    </p:anim>
+                                    <p:anim calcmode="lin" valueType="num">
+                                      <p:cBhvr additive="base">
+                                        <p:cTn id="24" dur="500" fill="hold"/>
+                                        <p:tgtEl>
+                                          <p:spTgt spid="31"/>
                                         </p:tgtEl>
                                         <p:attrNameLst>
                                           <p:attrName>ppt_y</p:attrName>
@@ -4895,12 +4916,13 @@
       <p:bldP spid="24" grpId="0" animBg="1"/>
       <p:bldP spid="25" grpId="0" animBg="1"/>
       <p:bldP spid="30" grpId="0" animBg="1"/>
+      <p:bldP spid="31" grpId="0"/>
     </p:bldLst>
   </p:timing>
 </p:sld>
 </file>
 
-<file path=ppt/slides/slide6.xml><?xml version="1.0" encoding="utf-8"?>
+<file path=ppt/slides/slide5.xml><?xml version="1.0" encoding="utf-8"?>
 <p:sld xmlns:a="http://schemas.openxmlformats.org/drawingml/2006/main" xmlns:r="http://schemas.openxmlformats.org/officeDocument/2006/relationships" xmlns:p="http://schemas.openxmlformats.org/presentationml/2006/main">
   <p:cSld>
     <p:spTree>
@@ -5072,7 +5094,7 @@
 </p:sld>
 </file>
 
-<file path=ppt/slides/slide7.xml><?xml version="1.0" encoding="utf-8"?>
+<file path=ppt/slides/slide6.xml><?xml version="1.0" encoding="utf-8"?>
 <p:sld xmlns:a="http://schemas.openxmlformats.org/drawingml/2006/main" xmlns:r="http://schemas.openxmlformats.org/officeDocument/2006/relationships" xmlns:p="http://schemas.openxmlformats.org/presentationml/2006/main">
   <p:cSld>
     <p:spTree>
@@ -5159,6 +5181,84 @@
     <p:extLst>
       <p:ext uri="{BB962C8B-B14F-4D97-AF65-F5344CB8AC3E}">
         <p14:creationId xmlns:p14="http://schemas.microsoft.com/office/powerpoint/2010/main" val="4000527619"/>
+      </p:ext>
+    </p:extLst>
+  </p:cSld>
+  <p:clrMapOvr>
+    <a:masterClrMapping/>
+  </p:clrMapOvr>
+</p:sld>
+</file>
+
+<file path=ppt/slides/slide7.xml><?xml version="1.0" encoding="utf-8"?>
+<p:sld xmlns:a="http://schemas.openxmlformats.org/drawingml/2006/main" xmlns:r="http://schemas.openxmlformats.org/officeDocument/2006/relationships" xmlns:p="http://schemas.openxmlformats.org/presentationml/2006/main">
+  <p:cSld>
+    <p:spTree>
+      <p:nvGrpSpPr>
+        <p:cNvPr id="1" name=""/>
+        <p:cNvGrpSpPr/>
+        <p:nvPr/>
+      </p:nvGrpSpPr>
+      <p:grpSpPr>
+        <a:xfrm>
+          <a:off x="0" y="0"/>
+          <a:ext cx="0" cy="0"/>
+          <a:chOff x="0" y="0"/>
+          <a:chExt cx="0" cy="0"/>
+        </a:xfrm>
+      </p:grpSpPr>
+      <p:sp>
+        <p:nvSpPr>
+          <p:cNvPr id="2" name="Rectangle 1">
+            <a:extLst>
+              <a:ext uri="{FF2B5EF4-FFF2-40B4-BE49-F238E27FC236}">
+                <a16:creationId xmlns:a16="http://schemas.microsoft.com/office/drawing/2014/main" id="{A5ED0435-BD3B-4AC3-8C51-1CEE8135DE91}"/>
+              </a:ext>
+            </a:extLst>
+          </p:cNvPr>
+          <p:cNvSpPr/>
+          <p:nvPr/>
+        </p:nvSpPr>
+        <p:spPr>
+          <a:xfrm>
+            <a:off x="3275005" y="2967335"/>
+            <a:ext cx="5641994" cy="923330"/>
+          </a:xfrm>
+          <a:prstGeom prst="rect">
+            <a:avLst/>
+          </a:prstGeom>
+          <a:noFill/>
+        </p:spPr>
+        <p:txBody>
+          <a:bodyPr wrap="none" lIns="91440" tIns="45720" rIns="91440" bIns="45720">
+            <a:spAutoFit/>
+          </a:bodyPr>
+          <a:lstStyle/>
+          <a:p>
+            <a:pPr algn="ctr"/>
+            <a:r>
+              <a:rPr lang="en-US" sz="5400" b="0" cap="none" spc="0" dirty="0">
+                <a:ln w="0"/>
+                <a:solidFill>
+                  <a:schemeClr val="accent1"/>
+                </a:solidFill>
+                <a:effectLst>
+                  <a:outerShdw blurRad="38100" dist="25400" dir="5400000" algn="ctr" rotWithShape="0">
+                    <a:srgbClr val="6E747A">
+                      <a:alpha val="43000"/>
+                    </a:srgbClr>
+                  </a:outerShdw>
+                </a:effectLst>
+              </a:rPr>
+              <a:t>Thanks for listening</a:t>
+            </a:r>
+          </a:p>
+        </p:txBody>
+      </p:sp>
+    </p:spTree>
+    <p:extLst>
+      <p:ext uri="{BB962C8B-B14F-4D97-AF65-F5344CB8AC3E}">
+        <p14:creationId xmlns:p14="http://schemas.microsoft.com/office/powerpoint/2010/main" val="2288480927"/>
       </p:ext>
     </p:extLst>
   </p:cSld>
